--- a/Document_Foundation_Coding.pptx
+++ b/Document_Foundation_Coding.pptx
@@ -119,6 +119,11 @@
       </a:defRPr>
     </a:lvl9pPr>
   </p:defaultTextStyle>
+  <p:extLst>
+    <p:ext uri="{EFAFB233-063F-42B5-8137-9DF3F51BA10A}">
+      <p15:sldGuideLst xmlns:p15="http://schemas.microsoft.com/office/powerpoint/2012/main"/>
+    </p:ext>
+  </p:extLst>
 </p:presentation>
 </file>
 
@@ -204,7 +209,7 @@
           <a:p>
             <a:fld id="{5216F254-C3F3-D740-B132-42CFED4BE595}" type="datetimeFigureOut">
               <a:rPr lang="en-US" smtClean="0"/>
-              <a:t>12/10/18</a:t>
+              <a:t>12/12/18</a:t>
             </a:fld>
             <a:endParaRPr lang="en-US"/>
           </a:p>
@@ -1290,7 +1295,7 @@
           <a:p>
             <a:fld id="{83064535-56BB-A140-A39C-6452B78178FC}" type="datetimeFigureOut">
               <a:rPr lang="en-US" smtClean="0"/>
-              <a:t>12/10/18</a:t>
+              <a:t>12/12/18</a:t>
             </a:fld>
             <a:endParaRPr lang="en-US"/>
           </a:p>
@@ -1488,7 +1493,7 @@
           <a:p>
             <a:fld id="{83064535-56BB-A140-A39C-6452B78178FC}" type="datetimeFigureOut">
               <a:rPr lang="en-US" smtClean="0"/>
-              <a:t>12/10/18</a:t>
+              <a:t>12/12/18</a:t>
             </a:fld>
             <a:endParaRPr lang="en-US"/>
           </a:p>
@@ -1696,7 +1701,7 @@
           <a:p>
             <a:fld id="{83064535-56BB-A140-A39C-6452B78178FC}" type="datetimeFigureOut">
               <a:rPr lang="en-US" smtClean="0"/>
-              <a:t>12/10/18</a:t>
+              <a:t>12/12/18</a:t>
             </a:fld>
             <a:endParaRPr lang="en-US"/>
           </a:p>
@@ -1894,7 +1899,7 @@
           <a:p>
             <a:fld id="{83064535-56BB-A140-A39C-6452B78178FC}" type="datetimeFigureOut">
               <a:rPr lang="en-US" smtClean="0"/>
-              <a:t>12/10/18</a:t>
+              <a:t>12/12/18</a:t>
             </a:fld>
             <a:endParaRPr lang="en-US"/>
           </a:p>
@@ -2169,7 +2174,7 @@
           <a:p>
             <a:fld id="{83064535-56BB-A140-A39C-6452B78178FC}" type="datetimeFigureOut">
               <a:rPr lang="en-US" smtClean="0"/>
-              <a:t>12/10/18</a:t>
+              <a:t>12/12/18</a:t>
             </a:fld>
             <a:endParaRPr lang="en-US"/>
           </a:p>
@@ -2434,7 +2439,7 @@
           <a:p>
             <a:fld id="{83064535-56BB-A140-A39C-6452B78178FC}" type="datetimeFigureOut">
               <a:rPr lang="en-US" smtClean="0"/>
-              <a:t>12/10/18</a:t>
+              <a:t>12/12/18</a:t>
             </a:fld>
             <a:endParaRPr lang="en-US"/>
           </a:p>
@@ -2846,7 +2851,7 @@
           <a:p>
             <a:fld id="{83064535-56BB-A140-A39C-6452B78178FC}" type="datetimeFigureOut">
               <a:rPr lang="en-US" smtClean="0"/>
-              <a:t>12/10/18</a:t>
+              <a:t>12/12/18</a:t>
             </a:fld>
             <a:endParaRPr lang="en-US"/>
           </a:p>
@@ -2987,7 +2992,7 @@
           <a:p>
             <a:fld id="{83064535-56BB-A140-A39C-6452B78178FC}" type="datetimeFigureOut">
               <a:rPr lang="en-US" smtClean="0"/>
-              <a:t>12/10/18</a:t>
+              <a:t>12/12/18</a:t>
             </a:fld>
             <a:endParaRPr lang="en-US"/>
           </a:p>
@@ -3100,7 +3105,7 @@
           <a:p>
             <a:fld id="{83064535-56BB-A140-A39C-6452B78178FC}" type="datetimeFigureOut">
               <a:rPr lang="en-US" smtClean="0"/>
-              <a:t>12/10/18</a:t>
+              <a:t>12/12/18</a:t>
             </a:fld>
             <a:endParaRPr lang="en-US"/>
           </a:p>
@@ -3411,7 +3416,7 @@
           <a:p>
             <a:fld id="{83064535-56BB-A140-A39C-6452B78178FC}" type="datetimeFigureOut">
               <a:rPr lang="en-US" smtClean="0"/>
-              <a:t>12/10/18</a:t>
+              <a:t>12/12/18</a:t>
             </a:fld>
             <a:endParaRPr lang="en-US"/>
           </a:p>
@@ -3699,7 +3704,7 @@
           <a:p>
             <a:fld id="{83064535-56BB-A140-A39C-6452B78178FC}" type="datetimeFigureOut">
               <a:rPr lang="en-US" smtClean="0"/>
-              <a:t>12/10/18</a:t>
+              <a:t>12/12/18</a:t>
             </a:fld>
             <a:endParaRPr lang="en-US"/>
           </a:p>
@@ -3940,7 +3945,7 @@
           <a:p>
             <a:fld id="{83064535-56BB-A140-A39C-6452B78178FC}" type="datetimeFigureOut">
               <a:rPr lang="en-US" smtClean="0"/>
-              <a:t>12/10/18</a:t>
+              <a:t>12/12/18</a:t>
             </a:fld>
             <a:endParaRPr lang="en-US"/>
           </a:p>
@@ -5151,8 +5156,8 @@
         </p:blipFill>
         <p:spPr>
           <a:xfrm>
-            <a:off x="1238250" y="867589"/>
-            <a:ext cx="10048875" cy="5700274"/>
+            <a:off x="1694834" y="867589"/>
+            <a:ext cx="9135706" cy="5700274"/>
           </a:xfrm>
           <a:prstGeom prst="rect">
             <a:avLst/>
